--- a/slides/Week2_Recap.pptx
+++ b/slides/Week2_Recap.pptx
@@ -182,6 +182,219 @@
 <file path=ppt/changesInfos/changesInfo1.xml><?xml version="1.0" encoding="utf-8"?>
 <pc:chgInfo xmlns:a="http://schemas.openxmlformats.org/drawingml/2006/main" xmlns:r="http://schemas.openxmlformats.org/officeDocument/2006/relationships" xmlns:ac="http://schemas.microsoft.com/office/drawing/2013/main/command" xmlns:pc="http://schemas.microsoft.com/office/powerpoint/2013/main/command">
   <pc:docChgLst>
+    <pc:chgData name="Zhao Jin" userId="cd05a825-544c-438a-9ba1-08e63db50b47" providerId="ADAL" clId="{A4A0FEF4-5388-4642-A424-D6144C2A9D07}"/>
+    <pc:docChg chg="undo custSel modSld">
+      <pc:chgData name="Zhao Jin" userId="cd05a825-544c-438a-9ba1-08e63db50b47" providerId="ADAL" clId="{A4A0FEF4-5388-4642-A424-D6144C2A9D07}" dt="2021-01-25T03:36:28.487" v="214" actId="20577"/>
+      <pc:docMkLst>
+        <pc:docMk/>
+      </pc:docMkLst>
+      <pc:sldChg chg="delSp modSp">
+        <pc:chgData name="Zhao Jin" userId="cd05a825-544c-438a-9ba1-08e63db50b47" providerId="ADAL" clId="{A4A0FEF4-5388-4642-A424-D6144C2A9D07}" dt="2021-01-25T03:33:46.226" v="179"/>
+        <pc:sldMkLst>
+          <pc:docMk/>
+          <pc:sldMk cId="2543678377" sldId="531"/>
+        </pc:sldMkLst>
+        <pc:spChg chg="mod">
+          <ac:chgData name="Zhao Jin" userId="cd05a825-544c-438a-9ba1-08e63db50b47" providerId="ADAL" clId="{A4A0FEF4-5388-4642-A424-D6144C2A9D07}" dt="2021-01-25T03:30:31.833" v="157" actId="20577"/>
+          <ac:spMkLst>
+            <pc:docMk/>
+            <pc:sldMk cId="2543678377" sldId="531"/>
+            <ac:spMk id="10" creationId="{00000000-0000-0000-0000-000000000000}"/>
+          </ac:spMkLst>
+        </pc:spChg>
+        <pc:spChg chg="mod">
+          <ac:chgData name="Zhao Jin" userId="cd05a825-544c-438a-9ba1-08e63db50b47" providerId="ADAL" clId="{A4A0FEF4-5388-4642-A424-D6144C2A9D07}" dt="2021-01-25T03:33:46.226" v="179"/>
+          <ac:spMkLst>
+            <pc:docMk/>
+            <pc:sldMk cId="2543678377" sldId="531"/>
+            <ac:spMk id="43" creationId="{00000000-0000-0000-0000-000000000000}"/>
+          </ac:spMkLst>
+        </pc:spChg>
+        <pc:spChg chg="del">
+          <ac:chgData name="Zhao Jin" userId="cd05a825-544c-438a-9ba1-08e63db50b47" providerId="ADAL" clId="{A4A0FEF4-5388-4642-A424-D6144C2A9D07}" dt="2021-01-25T03:33:24.782" v="178" actId="478"/>
+          <ac:spMkLst>
+            <pc:docMk/>
+            <pc:sldMk cId="2543678377" sldId="531"/>
+            <ac:spMk id="24582" creationId="{00000000-0000-0000-0000-000000000000}"/>
+          </ac:spMkLst>
+        </pc:spChg>
+      </pc:sldChg>
+      <pc:sldChg chg="delSp modSp">
+        <pc:chgData name="Zhao Jin" userId="cd05a825-544c-438a-9ba1-08e63db50b47" providerId="ADAL" clId="{A4A0FEF4-5388-4642-A424-D6144C2A9D07}" dt="2021-01-25T03:33:46.226" v="179"/>
+        <pc:sldMkLst>
+          <pc:docMk/>
+          <pc:sldMk cId="2025693378" sldId="532"/>
+        </pc:sldMkLst>
+        <pc:spChg chg="mod">
+          <ac:chgData name="Zhao Jin" userId="cd05a825-544c-438a-9ba1-08e63db50b47" providerId="ADAL" clId="{A4A0FEF4-5388-4642-A424-D6144C2A9D07}" dt="2021-01-25T03:33:46.226" v="179"/>
+          <ac:spMkLst>
+            <pc:docMk/>
+            <pc:sldMk cId="2025693378" sldId="532"/>
+            <ac:spMk id="43" creationId="{00000000-0000-0000-0000-000000000000}"/>
+          </ac:spMkLst>
+        </pc:spChg>
+        <pc:spChg chg="del">
+          <ac:chgData name="Zhao Jin" userId="cd05a825-544c-438a-9ba1-08e63db50b47" providerId="ADAL" clId="{A4A0FEF4-5388-4642-A424-D6144C2A9D07}" dt="2021-01-25T03:33:20.558" v="177" actId="478"/>
+          <ac:spMkLst>
+            <pc:docMk/>
+            <pc:sldMk cId="2025693378" sldId="532"/>
+            <ac:spMk id="24582" creationId="{00000000-0000-0000-0000-000000000000}"/>
+          </ac:spMkLst>
+        </pc:spChg>
+      </pc:sldChg>
+      <pc:sldChg chg="delSp modSp">
+        <pc:chgData name="Zhao Jin" userId="cd05a825-544c-438a-9ba1-08e63db50b47" providerId="ADAL" clId="{A4A0FEF4-5388-4642-A424-D6144C2A9D07}" dt="2021-01-25T03:36:13.902" v="213" actId="403"/>
+        <pc:sldMkLst>
+          <pc:docMk/>
+          <pc:sldMk cId="266706937" sldId="533"/>
+        </pc:sldMkLst>
+        <pc:spChg chg="mod">
+          <ac:chgData name="Zhao Jin" userId="cd05a825-544c-438a-9ba1-08e63db50b47" providerId="ADAL" clId="{A4A0FEF4-5388-4642-A424-D6144C2A9D07}" dt="2021-01-25T03:36:09.661" v="211" actId="1036"/>
+          <ac:spMkLst>
+            <pc:docMk/>
+            <pc:sldMk cId="266706937" sldId="533"/>
+            <ac:spMk id="2" creationId="{00000000-0000-0000-0000-000000000000}"/>
+          </ac:spMkLst>
+        </pc:spChg>
+        <pc:spChg chg="mod">
+          <ac:chgData name="Zhao Jin" userId="cd05a825-544c-438a-9ba1-08e63db50b47" providerId="ADAL" clId="{A4A0FEF4-5388-4642-A424-D6144C2A9D07}" dt="2021-01-25T03:36:09.661" v="211" actId="1036"/>
+          <ac:spMkLst>
+            <pc:docMk/>
+            <pc:sldMk cId="266706937" sldId="533"/>
+            <ac:spMk id="9" creationId="{00000000-0000-0000-0000-000000000000}"/>
+          </ac:spMkLst>
+        </pc:spChg>
+        <pc:spChg chg="mod">
+          <ac:chgData name="Zhao Jin" userId="cd05a825-544c-438a-9ba1-08e63db50b47" providerId="ADAL" clId="{A4A0FEF4-5388-4642-A424-D6144C2A9D07}" dt="2021-01-25T03:36:09.661" v="211" actId="1036"/>
+          <ac:spMkLst>
+            <pc:docMk/>
+            <pc:sldMk cId="266706937" sldId="533"/>
+            <ac:spMk id="10" creationId="{00000000-0000-0000-0000-000000000000}"/>
+          </ac:spMkLst>
+        </pc:spChg>
+        <pc:spChg chg="mod">
+          <ac:chgData name="Zhao Jin" userId="cd05a825-544c-438a-9ba1-08e63db50b47" providerId="ADAL" clId="{A4A0FEF4-5388-4642-A424-D6144C2A9D07}" dt="2021-01-25T03:36:09.661" v="211" actId="1036"/>
+          <ac:spMkLst>
+            <pc:docMk/>
+            <pc:sldMk cId="266706937" sldId="533"/>
+            <ac:spMk id="13" creationId="{00000000-0000-0000-0000-000000000000}"/>
+          </ac:spMkLst>
+        </pc:spChg>
+        <pc:spChg chg="mod">
+          <ac:chgData name="Zhao Jin" userId="cd05a825-544c-438a-9ba1-08e63db50b47" providerId="ADAL" clId="{A4A0FEF4-5388-4642-A424-D6144C2A9D07}" dt="2021-01-25T03:36:09.661" v="211" actId="1036"/>
+          <ac:spMkLst>
+            <pc:docMk/>
+            <pc:sldMk cId="266706937" sldId="533"/>
+            <ac:spMk id="14" creationId="{00000000-0000-0000-0000-000000000000}"/>
+          </ac:spMkLst>
+        </pc:spChg>
+        <pc:spChg chg="mod">
+          <ac:chgData name="Zhao Jin" userId="cd05a825-544c-438a-9ba1-08e63db50b47" providerId="ADAL" clId="{A4A0FEF4-5388-4642-A424-D6144C2A9D07}" dt="2021-01-25T03:36:13.902" v="213" actId="403"/>
+          <ac:spMkLst>
+            <pc:docMk/>
+            <pc:sldMk cId="266706937" sldId="533"/>
+            <ac:spMk id="15" creationId="{00000000-0000-0000-0000-000000000000}"/>
+          </ac:spMkLst>
+        </pc:spChg>
+        <pc:spChg chg="mod">
+          <ac:chgData name="Zhao Jin" userId="cd05a825-544c-438a-9ba1-08e63db50b47" providerId="ADAL" clId="{A4A0FEF4-5388-4642-A424-D6144C2A9D07}" dt="2021-01-25T03:36:09.661" v="211" actId="1036"/>
+          <ac:spMkLst>
+            <pc:docMk/>
+            <pc:sldMk cId="266706937" sldId="533"/>
+            <ac:spMk id="16" creationId="{00000000-0000-0000-0000-000000000000}"/>
+          </ac:spMkLst>
+        </pc:spChg>
+        <pc:spChg chg="mod">
+          <ac:chgData name="Zhao Jin" userId="cd05a825-544c-438a-9ba1-08e63db50b47" providerId="ADAL" clId="{A4A0FEF4-5388-4642-A424-D6144C2A9D07}" dt="2021-01-25T03:33:46.226" v="179"/>
+          <ac:spMkLst>
+            <pc:docMk/>
+            <pc:sldMk cId="266706937" sldId="533"/>
+            <ac:spMk id="43" creationId="{00000000-0000-0000-0000-000000000000}"/>
+          </ac:spMkLst>
+        </pc:spChg>
+        <pc:spChg chg="del">
+          <ac:chgData name="Zhao Jin" userId="cd05a825-544c-438a-9ba1-08e63db50b47" providerId="ADAL" clId="{A4A0FEF4-5388-4642-A424-D6144C2A9D07}" dt="2021-01-25T03:33:11.850" v="174" actId="478"/>
+          <ac:spMkLst>
+            <pc:docMk/>
+            <pc:sldMk cId="266706937" sldId="533"/>
+            <ac:spMk id="24582" creationId="{00000000-0000-0000-0000-000000000000}"/>
+          </ac:spMkLst>
+        </pc:spChg>
+        <pc:picChg chg="mod">
+          <ac:chgData name="Zhao Jin" userId="cd05a825-544c-438a-9ba1-08e63db50b47" providerId="ADAL" clId="{A4A0FEF4-5388-4642-A424-D6144C2A9D07}" dt="2021-01-25T03:36:09.661" v="211" actId="1036"/>
+          <ac:picMkLst>
+            <pc:docMk/>
+            <pc:sldMk cId="266706937" sldId="533"/>
+            <ac:picMk id="7" creationId="{00000000-0000-0000-0000-000000000000}"/>
+          </ac:picMkLst>
+        </pc:picChg>
+      </pc:sldChg>
+      <pc:sldChg chg="addSp delSp modSp">
+        <pc:chgData name="Zhao Jin" userId="cd05a825-544c-438a-9ba1-08e63db50b47" providerId="ADAL" clId="{A4A0FEF4-5388-4642-A424-D6144C2A9D07}" dt="2021-01-25T03:36:28.487" v="214" actId="20577"/>
+        <pc:sldMkLst>
+          <pc:docMk/>
+          <pc:sldMk cId="3198948174" sldId="535"/>
+        </pc:sldMkLst>
+        <pc:spChg chg="add mod">
+          <ac:chgData name="Zhao Jin" userId="cd05a825-544c-438a-9ba1-08e63db50b47" providerId="ADAL" clId="{A4A0FEF4-5388-4642-A424-D6144C2A9D07}" dt="2021-01-25T03:31:40.243" v="165" actId="207"/>
+          <ac:spMkLst>
+            <pc:docMk/>
+            <pc:sldMk cId="3198948174" sldId="535"/>
+            <ac:spMk id="2" creationId="{E3422448-94B2-0F4B-AAE6-2DF38C94C92F}"/>
+          </ac:spMkLst>
+        </pc:spChg>
+        <pc:spChg chg="mod">
+          <ac:chgData name="Zhao Jin" userId="cd05a825-544c-438a-9ba1-08e63db50b47" providerId="ADAL" clId="{A4A0FEF4-5388-4642-A424-D6144C2A9D07}" dt="2021-01-25T03:36:28.487" v="214" actId="20577"/>
+          <ac:spMkLst>
+            <pc:docMk/>
+            <pc:sldMk cId="3198948174" sldId="535"/>
+            <ac:spMk id="15" creationId="{00000000-0000-0000-0000-000000000000}"/>
+          </ac:spMkLst>
+        </pc:spChg>
+        <pc:spChg chg="mod">
+          <ac:chgData name="Zhao Jin" userId="cd05a825-544c-438a-9ba1-08e63db50b47" providerId="ADAL" clId="{A4A0FEF4-5388-4642-A424-D6144C2A9D07}" dt="2021-01-25T03:33:46.226" v="179"/>
+          <ac:spMkLst>
+            <pc:docMk/>
+            <pc:sldMk cId="3198948174" sldId="535"/>
+            <ac:spMk id="43" creationId="{00000000-0000-0000-0000-000000000000}"/>
+          </ac:spMkLst>
+        </pc:spChg>
+        <pc:spChg chg="del mod">
+          <ac:chgData name="Zhao Jin" userId="cd05a825-544c-438a-9ba1-08e63db50b47" providerId="ADAL" clId="{A4A0FEF4-5388-4642-A424-D6144C2A9D07}" dt="2021-01-25T03:33:15.399" v="176" actId="478"/>
+          <ac:spMkLst>
+            <pc:docMk/>
+            <pc:sldMk cId="3198948174" sldId="535"/>
+            <ac:spMk id="24582" creationId="{00000000-0000-0000-0000-000000000000}"/>
+          </ac:spMkLst>
+        </pc:spChg>
+      </pc:sldChg>
+    </pc:docChg>
+  </pc:docChgLst>
+  <pc:docChgLst>
+    <pc:chgData name="Zhao Jin" userId="cd05a825-544c-438a-9ba1-08e63db50b47" providerId="ADAL" clId="{C7837600-31A8-421C-BE87-C44669FDAD51}"/>
+    <pc:docChg chg="modSld">
+      <pc:chgData name="Zhao Jin" userId="cd05a825-544c-438a-9ba1-08e63db50b47" providerId="ADAL" clId="{C7837600-31A8-421C-BE87-C44669FDAD51}" dt="2021-01-29T05:43:00.215" v="0"/>
+      <pc:docMkLst>
+        <pc:docMk/>
+      </pc:docMkLst>
+      <pc:sldChg chg="modSp mod">
+        <pc:chgData name="Zhao Jin" userId="cd05a825-544c-438a-9ba1-08e63db50b47" providerId="ADAL" clId="{C7837600-31A8-421C-BE87-C44669FDAD51}" dt="2021-01-29T05:43:00.215" v="0"/>
+        <pc:sldMkLst>
+          <pc:docMk/>
+          <pc:sldMk cId="3984392134" sldId="537"/>
+        </pc:sldMkLst>
+        <pc:spChg chg="mod">
+          <ac:chgData name="Zhao Jin" userId="cd05a825-544c-438a-9ba1-08e63db50b47" providerId="ADAL" clId="{C7837600-31A8-421C-BE87-C44669FDAD51}" dt="2021-01-29T05:43:00.215" v="0"/>
+          <ac:spMkLst>
+            <pc:docMk/>
+            <pc:sldMk cId="3984392134" sldId="537"/>
+            <ac:spMk id="43" creationId="{00000000-0000-0000-0000-000000000000}"/>
+          </ac:spMkLst>
+        </pc:spChg>
+      </pc:sldChg>
+    </pc:docChg>
+  </pc:docChgLst>
+  <pc:docChgLst>
     <pc:chgData name="Zhao Jin" userId="cd05a825-544c-438a-9ba1-08e63db50b47" providerId="ADAL" clId="{40B02829-7445-394A-990C-032942059FD9}"/>
     <pc:docChg chg="custSel modSld">
       <pc:chgData name="Zhao Jin" userId="cd05a825-544c-438a-9ba1-08e63db50b47" providerId="ADAL" clId="{40B02829-7445-394A-990C-032942059FD9}" dt="2021-01-18T05:50:34.611" v="4" actId="478"/>
@@ -712,7 +925,7 @@
               <a:pPr>
                 <a:defRPr/>
               </a:pPr>
-              <a:t>1/20/2021</a:t>
+              <a:t>1/29/2021</a:t>
             </a:fld>
             <a:endParaRPr lang="en-US"/>
           </a:p>
@@ -1976,12 +2189,8 @@
               <a:defRPr/>
             </a:pPr>
             <a:r>
-              <a:rPr lang="en-US" dirty="0" smtClean="0"/>
-              <a:t>Week2 </a:t>
-            </a:r>
-            <a:r>
               <a:rPr lang="en-US" dirty="0"/>
-              <a:t>- </a:t>
+              <a:t>Week2 - </a:t>
             </a:r>
             <a:fld id="{2E4790E1-2590-4AEE-892D-AB46A7688113}" type="slidenum">
               <a:rPr lang="en-US" smtClean="0"/>
@@ -2196,12 +2405,8 @@
               <a:defRPr/>
             </a:pPr>
             <a:r>
-              <a:rPr lang="en-US" dirty="0" smtClean="0"/>
-              <a:t>Week2 </a:t>
-            </a:r>
-            <a:r>
               <a:rPr lang="en-US" dirty="0"/>
-              <a:t>- </a:t>
+              <a:t>Week2 - </a:t>
             </a:r>
             <a:fld id="{2E4790E1-2590-4AEE-892D-AB46A7688113}" type="slidenum">
               <a:rPr lang="en-US" smtClean="0"/>
@@ -2393,12 +2598,8 @@
               <a:defRPr/>
             </a:pPr>
             <a:r>
-              <a:rPr lang="en-US" dirty="0" smtClean="0"/>
-              <a:t>Week2 </a:t>
-            </a:r>
-            <a:r>
               <a:rPr lang="en-US" dirty="0"/>
-              <a:t>- </a:t>
+              <a:t>Week2 - </a:t>
             </a:r>
             <a:fld id="{2E4790E1-2590-4AEE-892D-AB46A7688113}" type="slidenum">
               <a:rPr lang="en-US" smtClean="0"/>
@@ -2582,12 +2783,8 @@
               <a:defRPr/>
             </a:pPr>
             <a:r>
-              <a:rPr lang="en-US" dirty="0" smtClean="0"/>
-              <a:t>Week2 </a:t>
-            </a:r>
-            <a:r>
               <a:rPr lang="en-US" dirty="0"/>
-              <a:t>- </a:t>
+              <a:t>Week2 - </a:t>
             </a:r>
             <a:fld id="{2E4790E1-2590-4AEE-892D-AB46A7688113}" type="slidenum">
               <a:rPr lang="en-US" smtClean="0"/>
@@ -2856,12 +3053,8 @@
               <a:defRPr/>
             </a:pPr>
             <a:r>
-              <a:rPr lang="en-US" dirty="0" smtClean="0"/>
-              <a:t>Week2 </a:t>
-            </a:r>
-            <a:r>
               <a:rPr lang="en-US" dirty="0"/>
-              <a:t>- </a:t>
+              <a:t>Week2 - </a:t>
             </a:r>
             <a:fld id="{2E4790E1-2590-4AEE-892D-AB46A7688113}" type="slidenum">
               <a:rPr lang="en-US" smtClean="0"/>
@@ -3195,12 +3388,8 @@
               <a:defRPr/>
             </a:pPr>
             <a:r>
-              <a:rPr lang="en-US" dirty="0" smtClean="0"/>
-              <a:t>Week2 </a:t>
-            </a:r>
-            <a:r>
               <a:rPr lang="en-US" dirty="0"/>
-              <a:t>- </a:t>
+              <a:t>Week2 - </a:t>
             </a:r>
             <a:fld id="{2E4790E1-2590-4AEE-892D-AB46A7688113}" type="slidenum">
               <a:rPr lang="en-US" smtClean="0"/>
@@ -3683,12 +3872,8 @@
               <a:defRPr/>
             </a:pPr>
             <a:r>
-              <a:rPr lang="en-US" dirty="0" smtClean="0"/>
-              <a:t>Week2 </a:t>
-            </a:r>
-            <a:r>
               <a:rPr lang="en-US" dirty="0"/>
-              <a:t>- </a:t>
+              <a:t>Week2 - </a:t>
             </a:r>
             <a:fld id="{2E4790E1-2590-4AEE-892D-AB46A7688113}" type="slidenum">
               <a:rPr lang="en-US" smtClean="0"/>
@@ -3852,12 +4037,8 @@
               <a:defRPr/>
             </a:pPr>
             <a:r>
-              <a:rPr lang="en-US" dirty="0" smtClean="0"/>
-              <a:t>Week2 </a:t>
-            </a:r>
-            <a:r>
               <a:rPr lang="en-US" dirty="0"/>
-              <a:t>- </a:t>
+              <a:t>Week2 - </a:t>
             </a:r>
             <a:fld id="{2E4790E1-2590-4AEE-892D-AB46A7688113}" type="slidenum">
               <a:rPr lang="en-US" smtClean="0"/>
@@ -3964,12 +4145,8 @@
               <a:defRPr/>
             </a:pPr>
             <a:r>
-              <a:rPr lang="en-US" dirty="0" smtClean="0"/>
-              <a:t>Week2 </a:t>
-            </a:r>
-            <a:r>
               <a:rPr lang="en-US" dirty="0"/>
-              <a:t>- </a:t>
+              <a:t>Week2 - </a:t>
             </a:r>
             <a:fld id="{2E4790E1-2590-4AEE-892D-AB46A7688113}" type="slidenum">
               <a:rPr lang="en-US" smtClean="0"/>
@@ -4260,12 +4437,8 @@
               <a:defRPr/>
             </a:pPr>
             <a:r>
-              <a:rPr lang="en-US" dirty="0" smtClean="0"/>
-              <a:t>Week2 </a:t>
-            </a:r>
-            <a:r>
               <a:rPr lang="en-US" dirty="0"/>
-              <a:t>- </a:t>
+              <a:t>Week2 - </a:t>
             </a:r>
             <a:fld id="{2E4790E1-2590-4AEE-892D-AB46A7688113}" type="slidenum">
               <a:rPr lang="en-US" smtClean="0"/>
@@ -4587,12 +4760,8 @@
               <a:defRPr/>
             </a:pPr>
             <a:r>
-              <a:rPr lang="en-US" dirty="0" smtClean="0"/>
-              <a:t>Week2 </a:t>
-            </a:r>
-            <a:r>
               <a:rPr lang="en-US" dirty="0"/>
-              <a:t>- </a:t>
+              <a:t>Week2 - </a:t>
             </a:r>
             <a:fld id="{2E4790E1-2590-4AEE-892D-AB46A7688113}" type="slidenum">
               <a:rPr lang="en-US" smtClean="0"/>
@@ -4942,12 +5111,8 @@
               <a:defRPr/>
             </a:pPr>
             <a:r>
-              <a:rPr lang="en-US" dirty="0" smtClean="0"/>
-              <a:t>Week2 </a:t>
-            </a:r>
-            <a:r>
               <a:rPr lang="en-US" dirty="0"/>
-              <a:t>- </a:t>
+              <a:t>Week2 - </a:t>
             </a:r>
             <a:fld id="{2E4790E1-2590-4AEE-892D-AB46A7688113}" type="slidenum">
               <a:rPr lang="en-US" smtClean="0"/>
@@ -5341,23 +5506,8 @@
                 </a:solidFill>
                 <a:latin typeface="Calibri" panose="020F0502020204030204" pitchFamily="34" charset="0"/>
               </a:rPr>
-              <a:t>Week </a:t>
-            </a:r>
-            <a:r>
-              <a:rPr lang="en-US" sz="2400" dirty="0" smtClean="0">
-                <a:solidFill>
-                  <a:srgbClr val="C00000"/>
-                </a:solidFill>
-                <a:latin typeface="Calibri" panose="020F0502020204030204" pitchFamily="34" charset="0"/>
-              </a:rPr>
-              <a:t>2</a:t>
-            </a:r>
-            <a:endParaRPr lang="en-US" sz="2400" dirty="0">
-              <a:solidFill>
-                <a:srgbClr val="C00000"/>
-              </a:solidFill>
-              <a:latin typeface="Calibri" panose="020F0502020204030204" pitchFamily="34" charset="0"/>
-            </a:endParaRPr>
+              <a:t>Week 2</a:t>
+            </a:r>
           </a:p>
         </p:txBody>
       </p:sp>
@@ -5555,28 +5705,6 @@
       </p:sp>
       <p:sp>
         <p:nvSpPr>
-          <p:cNvPr id="24582" name="Footer Placeholder 41"/>
-          <p:cNvSpPr>
-            <a:spLocks noGrp="1"/>
-          </p:cNvSpPr>
-          <p:nvPr>
-            <p:ph type="ftr" sz="quarter" idx="11"/>
-          </p:nvPr>
-        </p:nvSpPr>
-        <p:spPr>
-          <a:noFill/>
-        </p:spPr>
-        <p:txBody>
-          <a:bodyPr/>
-          <a:lstStyle/>
-          <a:p>
-            <a:pPr algn="l"/>
-            <a:endParaRPr lang="en-US" dirty="0"/>
-          </a:p>
-        </p:txBody>
-      </p:sp>
-      <p:sp>
-        <p:nvSpPr>
           <p:cNvPr id="43" name="Slide Number Placeholder 42"/>
           <p:cNvSpPr>
             <a:spLocks noGrp="1"/>
@@ -5596,16 +5724,12 @@
               <a:defRPr/>
             </a:pPr>
             <a:r>
-              <a:rPr lang="en-US" dirty="0" smtClean="0"/>
-              <a:t>Unit5</a:t>
-            </a:r>
-            <a:r>
-              <a:rPr dirty="0" smtClean="0"/>
-              <a:t> </a:t>
+              <a:rPr lang="en-US" dirty="0"/>
+              <a:t>Week2</a:t>
             </a:r>
             <a:r>
               <a:rPr dirty="0"/>
-              <a:t>- </a:t>
+              <a:t> - </a:t>
             </a:r>
             <a:fld id="{628B8346-B709-406B-887E-3E0CC6DA1327}" type="slidenum">
               <a:rPr smtClean="0"/>
@@ -5661,12 +5785,8 @@
               <a:buChar char="n"/>
             </a:pPr>
             <a:r>
-              <a:rPr lang="en-US" sz="2800" dirty="0" smtClean="0"/>
-              <a:t>Problem</a:t>
-            </a:r>
-            <a:r>
               <a:rPr lang="en-US" sz="2800" dirty="0"/>
-              <a:t>: Find the</a:t>
+              <a:t>Problem: Find the</a:t>
             </a:r>
             <a:r>
               <a:rPr lang="en-US" sz="2800" dirty="0">
@@ -5747,11 +5867,15 @@
             </a:r>
             <a:r>
               <a:rPr lang="en-US" sz="2400" dirty="0"/>
-              <a:t>: Read in a list L of k </a:t>
-            </a:r>
-            <a:r>
-              <a:rPr lang="en-US" sz="2400" dirty="0" smtClean="0"/>
-              <a:t>numbers </a:t>
+              <a:t>: Read in a list L of k numbers (</a:t>
+            </a:r>
+            <a:r>
+              <a:rPr lang="en-US" sz="2400" dirty="0" err="1"/>
+              <a:t>ReadInput</a:t>
+            </a:r>
+            <a:r>
+              <a:rPr lang="en-US" sz="2400" dirty="0"/>
+              <a:t>)</a:t>
             </a:r>
           </a:p>
           <a:p>
@@ -5770,7 +5894,7 @@
               <a:buChar char="n"/>
             </a:pPr>
             <a:r>
-              <a:rPr lang="en-US" sz="2400" dirty="0" smtClean="0">
+              <a:rPr lang="en-US" sz="2400" dirty="0">
                 <a:solidFill>
                   <a:srgbClr val="0000FF"/>
                 </a:solidFill>
@@ -5794,12 +5918,8 @@
               <a:buChar char="n"/>
             </a:pPr>
             <a:r>
-              <a:rPr lang="en-US" sz="2000" dirty="0" smtClean="0"/>
-              <a:t>Compute </a:t>
-            </a:r>
-            <a:r>
               <a:rPr lang="en-US" sz="2000" dirty="0"/>
-              <a:t>the </a:t>
+              <a:t>Compute the </a:t>
             </a:r>
             <a:r>
               <a:rPr lang="en-US" sz="2000" dirty="0">
@@ -5811,7 +5931,15 @@
             </a:r>
             <a:r>
               <a:rPr lang="en-US" sz="2000" dirty="0"/>
-              <a:t>of a list L of k numbers</a:t>
+              <a:t>of a list L of k numbers (</a:t>
+            </a:r>
+            <a:r>
+              <a:rPr lang="en-US" sz="2000" dirty="0" err="1"/>
+              <a:t>FindMax</a:t>
+            </a:r>
+            <a:r>
+              <a:rPr lang="en-US" sz="2000" dirty="0"/>
+              <a:t>)</a:t>
             </a:r>
           </a:p>
           <a:p>
@@ -5843,7 +5971,7 @@
             </a:r>
             <a:r>
               <a:rPr lang="en-US" sz="2000" dirty="0"/>
-              <a:t> of a list L of k numbers </a:t>
+              <a:t> of a list L of k numbers (???)</a:t>
             </a:r>
           </a:p>
           <a:p>
@@ -5875,7 +6003,7 @@
             </a:r>
             <a:r>
               <a:rPr lang="en-US" sz="2000" dirty="0"/>
-              <a:t> between the maximum and the minimum</a:t>
+              <a:t> between the maximum and the minimum (Arithmetic computation)</a:t>
             </a:r>
           </a:p>
           <a:p>
@@ -5903,7 +6031,15 @@
             </a:r>
             <a:r>
               <a:rPr lang="en-US" sz="2400" dirty="0"/>
-              <a:t>: Print the range</a:t>
+              <a:t>: Print the range (</a:t>
+            </a:r>
+            <a:r>
+              <a:rPr lang="en-US" sz="2400" dirty="0" err="1"/>
+              <a:t>PrintOutput</a:t>
+            </a:r>
+            <a:r>
+              <a:rPr lang="en-US" sz="2400" dirty="0"/>
+              <a:t>)</a:t>
             </a:r>
           </a:p>
           <a:p>
@@ -5999,12 +6135,8 @@
               <a:buSzPct val="75000"/>
             </a:pPr>
             <a:r>
-              <a:rPr lang="en-US" dirty="0" smtClean="0"/>
-              <a:t>1. Breaking </a:t>
-            </a:r>
-            <a:r>
               <a:rPr lang="en-US" dirty="0"/>
-              <a:t>it down!</a:t>
+              <a:t>1. Breaking it down!</a:t>
             </a:r>
           </a:p>
           <a:p>
@@ -6021,12 +6153,8 @@
               <a:buSzPct val="75000"/>
             </a:pPr>
             <a:r>
-              <a:rPr lang="en-US" dirty="0" smtClean="0"/>
-              <a:t>2. Borrowing </a:t>
-            </a:r>
-            <a:r>
               <a:rPr lang="en-US" dirty="0"/>
-              <a:t>from what we know!</a:t>
+              <a:t>2. Borrowing from what we know!</a:t>
             </a:r>
           </a:p>
           <a:p>
@@ -6043,18 +6171,9 @@
               <a:buSzPct val="75000"/>
             </a:pPr>
             <a:r>
-              <a:rPr lang="en-US" dirty="0" smtClean="0"/>
-              <a:t>3. Wishful </a:t>
-            </a:r>
-            <a:r>
               <a:rPr lang="en-US" dirty="0"/>
-              <a:t>thinking</a:t>
-            </a:r>
-            <a:r>
-              <a:rPr lang="en-US" dirty="0" smtClean="0"/>
-              <a:t>!</a:t>
-            </a:r>
-            <a:endParaRPr lang="en-US" dirty="0"/>
+              <a:t>3. Wishful thinking!</a:t>
+            </a:r>
           </a:p>
         </p:txBody>
       </p:sp>
@@ -6071,13 +6190,6 @@
   <p:transition>
     <p:fade/>
   </p:transition>
-  <p:timing>
-    <p:tnLst>
-      <p:par>
-        <p:cTn id="1" dur="indefinite" restart="never" nodeType="tmRoot"/>
-      </p:par>
-    </p:tnLst>
-  </p:timing>
 </p:sld>
 </file>
 
@@ -6134,28 +6246,6 @@
       </p:sp>
       <p:sp>
         <p:nvSpPr>
-          <p:cNvPr id="24582" name="Footer Placeholder 41"/>
-          <p:cNvSpPr>
-            <a:spLocks noGrp="1"/>
-          </p:cNvSpPr>
-          <p:nvPr>
-            <p:ph type="ftr" sz="quarter" idx="11"/>
-          </p:nvPr>
-        </p:nvSpPr>
-        <p:spPr>
-          <a:noFill/>
-        </p:spPr>
-        <p:txBody>
-          <a:bodyPr/>
-          <a:lstStyle/>
-          <a:p>
-            <a:pPr algn="l"/>
-            <a:endParaRPr lang="en-US" dirty="0"/>
-          </a:p>
-        </p:txBody>
-      </p:sp>
-      <p:sp>
-        <p:nvSpPr>
           <p:cNvPr id="43" name="Slide Number Placeholder 42"/>
           <p:cNvSpPr>
             <a:spLocks noGrp="1"/>
@@ -6175,16 +6265,12 @@
               <a:defRPr/>
             </a:pPr>
             <a:r>
-              <a:rPr lang="en-US" dirty="0" smtClean="0"/>
-              <a:t>Unit5</a:t>
-            </a:r>
-            <a:r>
-              <a:rPr dirty="0" smtClean="0"/>
-              <a:t> </a:t>
+              <a:rPr lang="en-US" dirty="0"/>
+              <a:t>Week2</a:t>
             </a:r>
             <a:r>
               <a:rPr dirty="0"/>
-              <a:t>- </a:t>
+              <a:t> - </a:t>
             </a:r>
             <a:fld id="{628B8346-B709-406B-887E-3E0CC6DA1327}" type="slidenum">
               <a:rPr smtClean="0"/>
@@ -6444,14 +6530,14 @@
               <a:buChar char="n"/>
             </a:pPr>
             <a:r>
-              <a:rPr lang="en-US" sz="2400" dirty="0" smtClean="0">
+              <a:rPr lang="en-US" sz="2400" dirty="0">
                 <a:solidFill>
                   <a:srgbClr val="0000FF"/>
                 </a:solidFill>
               </a:rPr>
               <a:t>Function calling other functions</a:t>
             </a:r>
-            <a:endParaRPr lang="en-US" sz="2400" dirty="0" smtClean="0"/>
+            <a:endParaRPr lang="en-US" sz="2400" dirty="0"/>
           </a:p>
           <a:p>
             <a:pPr marL="800100" lvl="1" indent="-342900">
@@ -6469,11 +6555,11 @@
               <a:buChar char="n"/>
             </a:pPr>
             <a:r>
-              <a:rPr lang="en-US" sz="2000" dirty="0" smtClean="0"/>
+              <a:rPr lang="en-US" sz="2000" dirty="0"/>
               <a:t>If we treat this computation as a </a:t>
             </a:r>
             <a:r>
-              <a:rPr lang="en-US" sz="2000" dirty="0" smtClean="0">
+              <a:rPr lang="en-US" sz="2000" dirty="0">
                 <a:solidFill>
                   <a:srgbClr val="0000FF"/>
                 </a:solidFill>
@@ -6481,54 +6567,53 @@
               <a:t>function</a:t>
             </a:r>
             <a:r>
-              <a:rPr lang="en-US" sz="2000" dirty="0" smtClean="0"/>
+              <a:rPr lang="en-US" sz="2000" dirty="0"/>
               <a:t> </a:t>
             </a:r>
             <a:r>
-              <a:rPr lang="en-US" sz="2000" i="1" dirty="0" err="1" smtClean="0"/>
+              <a:rPr lang="en-US" sz="2000" i="1" dirty="0" err="1"/>
               <a:t>stddev</a:t>
             </a:r>
             <a:r>
-              <a:rPr lang="en-US" sz="2000" i="1" dirty="0" smtClean="0"/>
+              <a:rPr lang="en-US" sz="2000" i="1" dirty="0"/>
               <a:t> (L, k)</a:t>
             </a:r>
             <a:r>
-              <a:rPr lang="en-US" sz="2000" dirty="0" smtClean="0"/>
+              <a:rPr lang="en-US" sz="2000" dirty="0"/>
               <a:t>, it calls </a:t>
             </a:r>
             <a:r>
-              <a:rPr lang="en-US" sz="2000" i="1" dirty="0" err="1" smtClean="0"/>
+              <a:rPr lang="en-US" sz="2000" i="1" dirty="0" err="1"/>
               <a:t>sqrt</a:t>
             </a:r>
             <a:r>
-              <a:rPr lang="en-US" sz="2000" dirty="0" smtClean="0"/>
+              <a:rPr lang="en-US" sz="2000" dirty="0"/>
               <a:t>, </a:t>
             </a:r>
             <a:r>
-              <a:rPr lang="en-US" sz="2000" i="1" dirty="0" smtClean="0"/>
+              <a:rPr lang="en-US" sz="2000" i="1" dirty="0"/>
               <a:t>mean</a:t>
             </a:r>
             <a:r>
-              <a:rPr lang="en-US" sz="2000" dirty="0" smtClean="0"/>
+              <a:rPr lang="en-US" sz="2000" dirty="0"/>
               <a:t>, </a:t>
             </a:r>
             <a:r>
-              <a:rPr lang="en-US" sz="2000" i="1" dirty="0" smtClean="0"/>
+              <a:rPr lang="en-US" sz="2000" i="1" dirty="0"/>
               <a:t>square</a:t>
             </a:r>
             <a:r>
-              <a:rPr lang="en-US" sz="2000" dirty="0" smtClean="0"/>
+              <a:rPr lang="en-US" sz="2000" dirty="0"/>
               <a:t> and </a:t>
             </a:r>
             <a:r>
-              <a:rPr lang="en-US" sz="2000" i="1" dirty="0" smtClean="0"/>
+              <a:rPr lang="en-US" sz="2000" i="1" dirty="0"/>
               <a:t>subtract </a:t>
             </a:r>
             <a:r>
-              <a:rPr lang="en-US" sz="2000" dirty="0" smtClean="0"/>
+              <a:rPr lang="en-US" sz="2000" dirty="0"/>
               <a:t>to complete the computation.</a:t>
             </a:r>
-            <a:endParaRPr lang="en-US" sz="2000" dirty="0"/>
           </a:p>
         </p:txBody>
       </p:sp>
@@ -6569,13 +6654,6 @@
   <p:transition>
     <p:fade/>
   </p:transition>
-  <p:timing>
-    <p:tnLst>
-      <p:par>
-        <p:cTn id="1" dur="indefinite" restart="never" nodeType="tmRoot"/>
-      </p:par>
-    </p:tnLst>
-  </p:timing>
 </p:sld>
 </file>
 
@@ -6620,48 +6698,13 @@
           <a:p>
             <a:pPr eaLnBrk="1" hangingPunct="1"/>
             <a:r>
-              <a:rPr lang="en-GB" dirty="0" smtClean="0">
+              <a:rPr lang="en-GB" dirty="0">
                 <a:solidFill>
                   <a:srgbClr val="0000FF"/>
                 </a:solidFill>
               </a:rPr>
-              <a:t>Even more </a:t>
-            </a:r>
-            <a:r>
-              <a:rPr lang="en-GB" dirty="0" smtClean="0">
-                <a:solidFill>
-                  <a:srgbClr val="0000FF"/>
-                </a:solidFill>
-              </a:rPr>
-              <a:t>examples</a:t>
-            </a:r>
-            <a:endParaRPr lang="en-GB" dirty="0">
-              <a:solidFill>
-                <a:srgbClr val="0000FF"/>
-              </a:solidFill>
-            </a:endParaRPr>
-          </a:p>
-        </p:txBody>
-      </p:sp>
-      <p:sp>
-        <p:nvSpPr>
-          <p:cNvPr id="24582" name="Footer Placeholder 41"/>
-          <p:cNvSpPr>
-            <a:spLocks noGrp="1"/>
-          </p:cNvSpPr>
-          <p:nvPr>
-            <p:ph type="ftr" sz="quarter" idx="11"/>
-          </p:nvPr>
-        </p:nvSpPr>
-        <p:spPr>
-          <a:noFill/>
-        </p:spPr>
-        <p:txBody>
-          <a:bodyPr/>
-          <a:lstStyle/>
-          <a:p>
-            <a:pPr algn="l"/>
-            <a:endParaRPr lang="en-US" dirty="0"/>
+              <a:t>Even more examples</a:t>
+            </a:r>
           </a:p>
         </p:txBody>
       </p:sp>
@@ -6686,16 +6729,12 @@
               <a:defRPr/>
             </a:pPr>
             <a:r>
-              <a:rPr lang="en-US" dirty="0" smtClean="0"/>
-              <a:t>Unit5</a:t>
-            </a:r>
-            <a:r>
-              <a:rPr dirty="0" smtClean="0"/>
-              <a:t> </a:t>
+              <a:rPr lang="en-US" dirty="0"/>
+              <a:t>Week2</a:t>
             </a:r>
             <a:r>
               <a:rPr dirty="0"/>
-              <a:t>- </a:t>
+              <a:t> - </a:t>
             </a:r>
             <a:fld id="{628B8346-B709-406B-887E-3E0CC6DA1327}" type="slidenum">
               <a:rPr smtClean="0"/>
@@ -6781,20 +6820,20 @@
               <a:buChar char="n"/>
             </a:pPr>
             <a:r>
-              <a:rPr lang="en-US" sz="2400" dirty="0" err="1" smtClean="0"/>
+              <a:rPr lang="en-US" sz="2400" dirty="0" err="1"/>
               <a:t>FindMax</a:t>
             </a:r>
             <a:r>
-              <a:rPr lang="en-US" sz="2400" dirty="0" smtClean="0"/>
-              <a:t> (Recursion)</a:t>
-            </a:r>
-            <a:r>
-              <a:rPr lang="en-US" sz="2400" dirty="0" smtClean="0"/>
-              <a:t>: </a:t>
-            </a:r>
-            <a:r>
               <a:rPr lang="en-US" sz="2400" dirty="0"/>
-              <a:t>use a function max' (L, </a:t>
+              <a:t> (Recursion</a:t>
+            </a:r>
+            <a:r>
+              <a:rPr lang="en-US" sz="2400"/>
+              <a:t>): Use </a:t>
+            </a:r>
+            <a:r>
+              <a:rPr lang="en-US" sz="2400" dirty="0"/>
+              <a:t>a function max' (L, </a:t>
             </a:r>
             <a:r>
               <a:rPr lang="en-US" sz="2400" dirty="0" err="1"/>
@@ -6841,7 +6880,7 @@
               <a:buFont typeface="Wingdings" pitchFamily="2" charset="2"/>
               <a:buChar char="n"/>
             </a:pPr>
-            <a:endParaRPr lang="en-US" sz="2400" dirty="0"/>
+            <a:endParaRPr lang="en-US" sz="2800" dirty="0"/>
           </a:p>
           <a:p>
             <a:pPr marL="800100" lvl="1" indent="-342900">
@@ -6909,7 +6948,7 @@
               <a:buFont typeface="Wingdings" pitchFamily="2" charset="2"/>
               <a:buChar char="n"/>
             </a:pPr>
-            <a:endParaRPr lang="en-US" sz="2400" dirty="0" smtClean="0"/>
+            <a:endParaRPr lang="en-US" sz="2400" dirty="0"/>
           </a:p>
           <a:p>
             <a:pPr marL="800100" lvl="1" indent="-342900">
@@ -7031,34 +7070,13 @@
                 </a:solidFill>
                 <a:sym typeface="Wingdings" panose="05000000000000000000" pitchFamily="2" charset="2"/>
               </a:rPr>
-              <a:t>m (9</a:t>
-            </a:r>
-            <a:r>
-              <a:rPr lang="en-US" sz="2000" dirty="0" smtClean="0">
-                <a:solidFill>
-                  <a:srgbClr val="0000FF"/>
-                </a:solidFill>
-                <a:sym typeface="Wingdings" panose="05000000000000000000" pitchFamily="2" charset="2"/>
-              </a:rPr>
-              <a:t>)</a:t>
-            </a:r>
-            <a:r>
-              <a:rPr lang="en-US" sz="2000" dirty="0" smtClean="0">
-                <a:sym typeface="Wingdings" panose="05000000000000000000" pitchFamily="2" charset="2"/>
-              </a:rPr>
-              <a:t>, which is the same as max </a:t>
+              <a:t>m (9)</a:t>
             </a:r>
             <a:r>
               <a:rPr lang="en-US" sz="2000" dirty="0">
                 <a:sym typeface="Wingdings" panose="05000000000000000000" pitchFamily="2" charset="2"/>
               </a:rPr>
-              <a:t>(L, </a:t>
-            </a:r>
-            <a:r>
-              <a:rPr lang="en-US" sz="2000" dirty="0" smtClean="0">
-                <a:sym typeface="Wingdings" panose="05000000000000000000" pitchFamily="2" charset="2"/>
-              </a:rPr>
-              <a:t>6). </a:t>
+              <a:t>, which is the same as max (L, 6). </a:t>
             </a:r>
             <a:endParaRPr lang="en-US" sz="2000" dirty="0"/>
           </a:p>
@@ -7131,6 +7149,55 @@
           </a:prstGeom>
         </p:spPr>
       </p:pic>
+      <p:sp>
+        <p:nvSpPr>
+          <p:cNvPr id="2" name="Down Arrow 1">
+            <a:extLst>
+              <a:ext uri="{FF2B5EF4-FFF2-40B4-BE49-F238E27FC236}">
+                <a16:creationId xmlns:a16="http://schemas.microsoft.com/office/drawing/2014/main" id="{E3422448-94B2-0F4B-AAE6-2DF38C94C92F}"/>
+              </a:ext>
+            </a:extLst>
+          </p:cNvPr>
+          <p:cNvSpPr/>
+          <p:nvPr/>
+        </p:nvSpPr>
+        <p:spPr>
+          <a:xfrm rot="3187808">
+            <a:off x="4604657" y="2862942"/>
+            <a:ext cx="696686" cy="555172"/>
+          </a:xfrm>
+          <a:prstGeom prst="downArrow">
+            <a:avLst/>
+          </a:prstGeom>
+          <a:solidFill>
+            <a:srgbClr val="C00000"/>
+          </a:solidFill>
+        </p:spPr>
+        <p:style>
+          <a:lnRef idx="2">
+            <a:schemeClr val="accent1">
+              <a:shade val="50000"/>
+            </a:schemeClr>
+          </a:lnRef>
+          <a:fillRef idx="1">
+            <a:schemeClr val="accent1"/>
+          </a:fillRef>
+          <a:effectRef idx="0">
+            <a:schemeClr val="accent1"/>
+          </a:effectRef>
+          <a:fontRef idx="minor">
+            <a:schemeClr val="lt1"/>
+          </a:fontRef>
+        </p:style>
+        <p:txBody>
+          <a:bodyPr rtlCol="0" anchor="ctr"/>
+          <a:lstStyle/>
+          <a:p>
+            <a:pPr algn="ctr"/>
+            <a:endParaRPr lang="en-US"/>
+          </a:p>
+        </p:txBody>
+      </p:sp>
     </p:spTree>
     <p:extLst>
       <p:ext uri="{BB962C8B-B14F-4D97-AF65-F5344CB8AC3E}">
@@ -7144,13 +7211,6 @@
   <p:transition>
     <p:fade/>
   </p:transition>
-  <p:timing>
-    <p:tnLst>
-      <p:par>
-        <p:cTn id="1" dur="indefinite" restart="never" nodeType="tmRoot"/>
-      </p:par>
-    </p:tnLst>
-  </p:timing>
 </p:sld>
 </file>
 
@@ -7220,28 +7280,6 @@
       </p:sp>
       <p:sp>
         <p:nvSpPr>
-          <p:cNvPr id="24582" name="Footer Placeholder 41"/>
-          <p:cNvSpPr>
-            <a:spLocks noGrp="1"/>
-          </p:cNvSpPr>
-          <p:nvPr>
-            <p:ph type="ftr" sz="quarter" idx="11"/>
-          </p:nvPr>
-        </p:nvSpPr>
-        <p:spPr>
-          <a:noFill/>
-        </p:spPr>
-        <p:txBody>
-          <a:bodyPr/>
-          <a:lstStyle/>
-          <a:p>
-            <a:pPr algn="l"/>
-            <a:endParaRPr lang="en-US" dirty="0"/>
-          </a:p>
-        </p:txBody>
-      </p:sp>
-      <p:sp>
-        <p:nvSpPr>
           <p:cNvPr id="43" name="Slide Number Placeholder 42"/>
           <p:cNvSpPr>
             <a:spLocks noGrp="1"/>
@@ -7261,16 +7299,12 @@
               <a:defRPr/>
             </a:pPr>
             <a:r>
-              <a:rPr lang="en-US" dirty="0" smtClean="0"/>
-              <a:t>Unit5</a:t>
-            </a:r>
-            <a:r>
-              <a:rPr dirty="0" smtClean="0"/>
-              <a:t> </a:t>
+              <a:rPr lang="en-US" dirty="0"/>
+              <a:t>Week2</a:t>
             </a:r>
             <a:r>
               <a:rPr dirty="0"/>
-              <a:t>- </a:t>
+              <a:t> - </a:t>
             </a:r>
             <a:fld id="{628B8346-B709-406B-887E-3E0CC6DA1327}" type="slidenum">
               <a:rPr smtClean="0"/>
@@ -7361,11 +7395,7 @@
             </a:r>
             <a:r>
               <a:rPr lang="en-US" sz="2400" dirty="0"/>
-              <a:t> (Recursion): Use </a:t>
-            </a:r>
-            <a:r>
-              <a:rPr lang="en-US" sz="2400" dirty="0"/>
-              <a:t>a function max'' (L, r) which computes the maximum among L</a:t>
+              <a:t> (Recursion): Use a function max'' (L, r) which computes the maximum among L</a:t>
             </a:r>
             <a:r>
               <a:rPr lang="en-US" sz="2400" baseline="-25000" dirty="0"/>
@@ -7403,7 +7433,7 @@
               <a:buFont typeface="Wingdings" pitchFamily="2" charset="2"/>
               <a:buChar char="n"/>
             </a:pPr>
-            <a:endParaRPr lang="en-US" sz="2400" baseline="-25000" dirty="0" smtClean="0"/>
+            <a:endParaRPr lang="en-US" sz="3200" baseline="-25000" dirty="0"/>
           </a:p>
           <a:p>
             <a:pPr marL="342900" indent="-342900">
@@ -7420,7 +7450,7 @@
               <a:buFont typeface="Wingdings" pitchFamily="2" charset="2"/>
               <a:buChar char="n"/>
             </a:pPr>
-            <a:endParaRPr lang="en-US" sz="2400" baseline="-25000" dirty="0" smtClean="0"/>
+            <a:endParaRPr lang="en-US" sz="2400" baseline="-25000" dirty="0"/>
           </a:p>
           <a:p>
             <a:pPr marL="342900" indent="-342900">
@@ -7471,7 +7501,7 @@
               <a:buFont typeface="Wingdings" pitchFamily="2" charset="2"/>
               <a:buChar char="n"/>
             </a:pPr>
-            <a:endParaRPr lang="en-US" sz="2400" baseline="-25000" dirty="0" smtClean="0"/>
+            <a:endParaRPr lang="en-US" sz="3200" baseline="-25000" dirty="0"/>
           </a:p>
           <a:p>
             <a:pPr marL="342900" indent="-342900">
@@ -7488,7 +7518,7 @@
               <a:buFont typeface="Wingdings" pitchFamily="2" charset="2"/>
               <a:buChar char="n"/>
             </a:pPr>
-            <a:endParaRPr lang="en-US" sz="2400" baseline="-25000" dirty="0" smtClean="0"/>
+            <a:endParaRPr lang="en-US" sz="2400" baseline="-25000" dirty="0"/>
           </a:p>
           <a:p>
             <a:pPr marL="342900" indent="-342900">
@@ -7620,13 +7650,7 @@
               <a:rPr lang="en-US" sz="2000" dirty="0">
                 <a:sym typeface="Wingdings" panose="05000000000000000000" pitchFamily="2" charset="2"/>
               </a:rPr>
-              <a:t>, which is the same as </a:t>
-            </a:r>
-            <a:r>
-              <a:rPr lang="en-US" sz="2000" dirty="0" smtClean="0">
-                <a:sym typeface="Wingdings" panose="05000000000000000000" pitchFamily="2" charset="2"/>
-              </a:rPr>
-              <a:t>max' (L, 0, 5) </a:t>
+              <a:t>, which is the same as max' (L, 0, 5) </a:t>
             </a:r>
             <a:endParaRPr lang="en-US" sz="2000" dirty="0"/>
           </a:p>
@@ -7668,7 +7692,7 @@
         </p:blipFill>
         <p:spPr>
           <a:xfrm>
-            <a:off x="994890" y="2139978"/>
+            <a:off x="994890" y="2219490"/>
             <a:ext cx="7432177" cy="2954796"/>
           </a:xfrm>
           <a:prstGeom prst="rect">
@@ -7684,7 +7708,7 @@
         </p:nvSpPr>
         <p:spPr>
           <a:xfrm>
-            <a:off x="5189220" y="2209800"/>
+            <a:off x="5189220" y="2289312"/>
             <a:ext cx="1767840" cy="369332"/>
           </a:xfrm>
           <a:prstGeom prst="rect">
@@ -7701,10 +7725,9 @@
           <a:lstStyle/>
           <a:p>
             <a:r>
-              <a:rPr lang="en-US" i="1" dirty="0" smtClean="0"/>
+              <a:rPr lang="en-US" i="1" dirty="0"/>
               <a:t>max''(L, r)</a:t>
             </a:r>
-            <a:endParaRPr lang="en-US" i="1" dirty="0"/>
           </a:p>
         </p:txBody>
       </p:sp>
@@ -7716,7 +7739,7 @@
         </p:nvSpPr>
         <p:spPr>
           <a:xfrm>
-            <a:off x="2424653" y="2318266"/>
+            <a:off x="2424653" y="2397778"/>
             <a:ext cx="234727" cy="276999"/>
           </a:xfrm>
           <a:prstGeom prst="rect">
@@ -7733,10 +7756,9 @@
           <a:lstStyle/>
           <a:p>
             <a:r>
-              <a:rPr lang="en-US" i="1" dirty="0" smtClean="0"/>
+              <a:rPr lang="en-US" i="1" dirty="0"/>
               <a:t>r</a:t>
             </a:r>
-            <a:endParaRPr lang="en-US" i="1" dirty="0"/>
           </a:p>
         </p:txBody>
       </p:sp>
@@ -7748,7 +7770,7 @@
         </p:nvSpPr>
         <p:spPr>
           <a:xfrm>
-            <a:off x="1768587" y="3532216"/>
+            <a:off x="1768587" y="3611728"/>
             <a:ext cx="982233" cy="215444"/>
           </a:xfrm>
           <a:prstGeom prst="rect">
@@ -7765,10 +7787,9 @@
           <a:lstStyle/>
           <a:p>
             <a:r>
-              <a:rPr lang="en-US" sz="1400" b="1" i="1" dirty="0" smtClean="0"/>
+              <a:rPr lang="en-US" sz="1400" b="1" i="1" dirty="0"/>
               <a:t>r equals 0?</a:t>
             </a:r>
-            <a:endParaRPr lang="en-US" sz="1400" b="1" i="1" dirty="0"/>
           </a:p>
         </p:txBody>
       </p:sp>
@@ -7780,7 +7801,7 @@
         </p:nvSpPr>
         <p:spPr>
           <a:xfrm>
-            <a:off x="2455133" y="4679306"/>
+            <a:off x="2455133" y="4758818"/>
             <a:ext cx="189753" cy="215444"/>
           </a:xfrm>
           <a:prstGeom prst="rect">
@@ -7797,11 +7818,11 @@
           <a:lstStyle/>
           <a:p>
             <a:r>
-              <a:rPr lang="en-US" sz="1400" b="1" i="1" dirty="0" err="1" smtClean="0"/>
+              <a:rPr lang="en-US" sz="1400" b="1" i="1" dirty="0" err="1"/>
               <a:t>l</a:t>
             </a:r>
             <a:r>
-              <a:rPr lang="en-US" sz="1400" b="1" i="1" baseline="-25000" dirty="0" err="1" smtClean="0"/>
+              <a:rPr lang="en-US" sz="1400" b="1" i="1" baseline="-25000" dirty="0" err="1"/>
               <a:t>r</a:t>
             </a:r>
             <a:endParaRPr lang="en-US" sz="1400" b="1" i="1" baseline="-25000" dirty="0"/>
@@ -7816,7 +7837,7 @@
         </p:nvSpPr>
         <p:spPr>
           <a:xfrm>
-            <a:off x="3608070" y="3416874"/>
+            <a:off x="3608070" y="3496386"/>
             <a:ext cx="1002030" cy="430887"/>
           </a:xfrm>
           <a:prstGeom prst="rect">
@@ -7834,20 +7855,16 @@
           <a:p>
             <a:pPr algn="ctr"/>
             <a:r>
-              <a:rPr lang="en-US" sz="1400" b="1" i="1" dirty="0" smtClean="0"/>
+              <a:rPr lang="en-US" sz="1400" b="1" i="1" dirty="0"/>
               <a:t>set m to </a:t>
             </a:r>
-            <a:endParaRPr lang="en-US" sz="1400" b="1" i="1" baseline="-25000" dirty="0" smtClean="0"/>
+            <a:endParaRPr lang="en-US" sz="1400" b="1" i="1" baseline="-25000" dirty="0"/>
           </a:p>
           <a:p>
             <a:pPr algn="ctr"/>
             <a:r>
               <a:rPr lang="en-US" sz="1400" b="1" i="1" dirty="0"/>
-              <a:t>m</a:t>
-            </a:r>
-            <a:r>
-              <a:rPr lang="en-US" sz="1400" b="1" i="1" dirty="0" smtClean="0"/>
-              <a:t>ax''(L, r-1)</a:t>
+              <a:t>max''(L, r-1)</a:t>
             </a:r>
           </a:p>
         </p:txBody>
@@ -7860,7 +7877,7 @@
         </p:nvSpPr>
         <p:spPr>
           <a:xfrm>
-            <a:off x="5408930" y="3524595"/>
+            <a:off x="5408930" y="3604107"/>
             <a:ext cx="1002030" cy="215444"/>
           </a:xfrm>
           <a:prstGeom prst="rect">
@@ -7878,19 +7895,19 @@
           <a:p>
             <a:pPr algn="ctr"/>
             <a:r>
-              <a:rPr lang="en-US" sz="1400" b="1" i="1" dirty="0" smtClean="0"/>
+              <a:rPr lang="en-US" sz="1400" b="1" i="1" dirty="0"/>
               <a:t>is </a:t>
             </a:r>
             <a:r>
-              <a:rPr lang="en-US" sz="1400" b="1" i="1" dirty="0" err="1" smtClean="0"/>
+              <a:rPr lang="en-US" sz="1400" b="1" i="1" dirty="0" err="1"/>
               <a:t>l</a:t>
             </a:r>
             <a:r>
-              <a:rPr lang="en-US" sz="1400" b="1" i="1" baseline="-25000" dirty="0" err="1" smtClean="0"/>
+              <a:rPr lang="en-US" sz="1400" b="1" i="1" baseline="-25000" dirty="0" err="1"/>
               <a:t>r</a:t>
             </a:r>
             <a:r>
-              <a:rPr lang="en-US" sz="1400" b="1" i="1" dirty="0" smtClean="0"/>
+              <a:rPr lang="en-US" sz="1400" b="1" i="1" dirty="0"/>
               <a:t> &gt; m ?</a:t>
             </a:r>
           </a:p>
@@ -7909,13 +7926,6 @@
   <p:transition>
     <p:fade/>
   </p:transition>
-  <p:timing>
-    <p:tnLst>
-      <p:par>
-        <p:cTn id="1" dur="indefinite" restart="never" nodeType="tmRoot"/>
-      </p:par>
-    </p:tnLst>
-  </p:timing>
 </p:sld>
 </file>
 
@@ -7960,7 +7970,7 @@
           <a:p>
             <a:pPr eaLnBrk="1" hangingPunct="1"/>
             <a:r>
-              <a:rPr lang="en-GB" sz="4000" dirty="0" smtClean="0">
+              <a:rPr lang="en-GB" sz="4000" dirty="0">
                 <a:solidFill>
                   <a:srgbClr val="0000FF"/>
                 </a:solidFill>
@@ -8018,16 +8028,12 @@
               <a:defRPr/>
             </a:pPr>
             <a:r>
-              <a:rPr lang="en-US" dirty="0" smtClean="0"/>
-              <a:t>Unit4</a:t>
-            </a:r>
-            <a:r>
-              <a:rPr dirty="0" smtClean="0"/>
-              <a:t> </a:t>
+              <a:rPr lang="en-US" dirty="0"/>
+              <a:t>Week2</a:t>
             </a:r>
             <a:r>
               <a:rPr dirty="0"/>
-              <a:t>- </a:t>
+              <a:t> - </a:t>
             </a:r>
             <a:fld id="{628B8346-B709-406B-887E-3E0CC6DA1327}" type="slidenum">
               <a:rPr smtClean="0"/>
@@ -8083,7 +8089,7 @@
               <a:buChar char="n"/>
             </a:pPr>
             <a:r>
-              <a:rPr lang="en-US" sz="2800" dirty="0" smtClean="0"/>
+              <a:rPr lang="en-US" sz="2800" dirty="0"/>
               <a:t>Declare the type of a variable so that the computer can</a:t>
             </a:r>
           </a:p>
@@ -8103,7 +8109,7 @@
               <a:buChar char="n"/>
             </a:pPr>
             <a:r>
-              <a:rPr lang="en-US" sz="2400" dirty="0" smtClean="0"/>
+              <a:rPr lang="en-US" sz="2400" dirty="0"/>
               <a:t>Allocate the right number of bits in memory</a:t>
             </a:r>
           </a:p>
@@ -8123,14 +8129,9 @@
               <a:buChar char="n"/>
             </a:pPr>
             <a:r>
-              <a:rPr lang="en-US" sz="2400" dirty="0" smtClean="0"/>
-              <a:t>Interpret </a:t>
-            </a:r>
-            <a:r>
-              <a:rPr lang="en-US" sz="2400" dirty="0" smtClean="0"/>
-              <a:t>the value accordingly</a:t>
-            </a:r>
-            <a:endParaRPr lang="en-US" sz="2400" dirty="0"/>
+              <a:rPr lang="en-US" sz="2400" dirty="0"/>
+              <a:t>Interpret the value accordingly</a:t>
+            </a:r>
           </a:p>
           <a:p>
             <a:pPr>
@@ -8146,10 +8147,10 @@
               <a:buSzPct val="75000"/>
             </a:pPr>
             <a:r>
-              <a:rPr lang="en-US" sz="2800" dirty="0" smtClean="0"/>
+              <a:rPr lang="en-US" sz="2800" dirty="0"/>
               <a:t> </a:t>
             </a:r>
-            <a:endParaRPr lang="en-US" sz="1200" dirty="0" smtClean="0"/>
+            <a:endParaRPr lang="en-US" sz="1200" dirty="0"/>
           </a:p>
           <a:p>
             <a:pPr marL="342900" indent="-342900">
@@ -8167,7 +8168,7 @@
               <a:buChar char="n"/>
             </a:pPr>
             <a:r>
-              <a:rPr lang="en-US" sz="2800" dirty="0" smtClean="0"/>
+              <a:rPr lang="en-US" sz="2800" dirty="0"/>
               <a:t>Examples of type declarations in C</a:t>
             </a:r>
           </a:p>
@@ -8187,7 +8188,7 @@
               <a:buChar char="n"/>
             </a:pPr>
             <a:r>
-              <a:rPr lang="en-US" sz="2400" dirty="0" err="1" smtClean="0">
+              <a:rPr lang="en-US" sz="2400" dirty="0" err="1">
                 <a:solidFill>
                   <a:srgbClr val="0000FF"/>
                 </a:solidFill>
@@ -8195,7 +8196,7 @@
               <a:t>int</a:t>
             </a:r>
             <a:r>
-              <a:rPr lang="en-US" sz="2400" dirty="0" smtClean="0">
+              <a:rPr lang="en-US" sz="2400" dirty="0">
                 <a:solidFill>
                   <a:srgbClr val="0000FF"/>
                 </a:solidFill>
@@ -8203,7 +8204,7 @@
               <a:t> value;</a:t>
             </a:r>
             <a:r>
-              <a:rPr lang="en-US" sz="2400" dirty="0" smtClean="0"/>
+              <a:rPr lang="en-US" sz="2400" dirty="0"/>
               <a:t> 2 or 4 bytes, signed</a:t>
             </a:r>
           </a:p>
@@ -8223,7 +8224,7 @@
               <a:buChar char="n"/>
             </a:pPr>
             <a:r>
-              <a:rPr lang="en-US" sz="2400" dirty="0" smtClean="0">
+              <a:rPr lang="en-US" sz="2400" dirty="0">
                 <a:solidFill>
                   <a:srgbClr val="0000FF"/>
                 </a:solidFill>
@@ -8231,7 +8232,7 @@
               <a:t>char </a:t>
             </a:r>
             <a:r>
-              <a:rPr lang="en-US" sz="2400" dirty="0" err="1" smtClean="0">
+              <a:rPr lang="en-US" sz="2400" dirty="0" err="1">
                 <a:solidFill>
                   <a:srgbClr val="0000FF"/>
                 </a:solidFill>
@@ -8244,18 +8245,10 @@
                   <a:srgbClr val="0000FF"/>
                 </a:solidFill>
               </a:rPr>
-              <a:t>;</a:t>
-            </a:r>
-            <a:r>
-              <a:rPr lang="en-US" sz="2400" dirty="0" smtClean="0">
-                <a:solidFill>
-                  <a:srgbClr val="0000FF"/>
-                </a:solidFill>
-              </a:rPr>
-              <a:t> </a:t>
-            </a:r>
-            <a:r>
-              <a:rPr lang="en-US" sz="2400" dirty="0" smtClean="0"/>
+              <a:t>; </a:t>
+            </a:r>
+            <a:r>
+              <a:rPr lang="en-US" sz="2400" dirty="0"/>
               <a:t>1 byte</a:t>
             </a:r>
           </a:p>
@@ -8275,7 +8268,7 @@
               <a:buChar char="n"/>
             </a:pPr>
             <a:r>
-              <a:rPr lang="en-US" sz="2400" dirty="0" smtClean="0">
+              <a:rPr lang="en-US" sz="2400" dirty="0">
                 <a:solidFill>
                   <a:srgbClr val="0000FF"/>
                 </a:solidFill>
@@ -8283,7 +8276,7 @@
               <a:t>float </a:t>
             </a:r>
             <a:r>
-              <a:rPr lang="en-US" sz="2400" dirty="0" err="1" smtClean="0">
+              <a:rPr lang="en-US" sz="2400" dirty="0" err="1">
                 <a:solidFill>
                   <a:srgbClr val="0000FF"/>
                 </a:solidFill>
@@ -8296,18 +8289,10 @@
                   <a:srgbClr val="0000FF"/>
                 </a:solidFill>
               </a:rPr>
-              <a:t>;</a:t>
-            </a:r>
-            <a:r>
-              <a:rPr lang="en-US" sz="2400" dirty="0" smtClean="0">
-                <a:solidFill>
-                  <a:srgbClr val="0000FF"/>
-                </a:solidFill>
-              </a:rPr>
-              <a:t> </a:t>
-            </a:r>
-            <a:r>
-              <a:rPr lang="en-US" sz="2400" dirty="0" smtClean="0"/>
+              <a:t>; </a:t>
+            </a:r>
+            <a:r>
+              <a:rPr lang="en-US" sz="2400" dirty="0"/>
               <a:t>4 bytes</a:t>
             </a:r>
           </a:p>
@@ -8326,7 +8311,7 @@
               <a:buFont typeface="Wingdings" pitchFamily="2" charset="2"/>
               <a:buChar char="n"/>
             </a:pPr>
-            <a:endParaRPr lang="en-US" sz="2400" dirty="0" smtClean="0"/>
+            <a:endParaRPr lang="en-US" sz="2400" dirty="0"/>
           </a:p>
           <a:p>
             <a:pPr marL="800100" lvl="1" indent="-342900">
@@ -8390,13 +8375,6 @@
   <p:transition>
     <p:fade/>
   </p:transition>
-  <p:timing>
-    <p:tnLst>
-      <p:par>
-        <p:cTn id="1" dur="indefinite" restart="never" nodeType="tmRoot"/>
-      </p:par>
-    </p:tnLst>
-  </p:timing>
 </p:sld>
 </file>
 
@@ -8438,12 +8416,8 @@
               <a:defRPr/>
             </a:pPr>
             <a:r>
-              <a:rPr lang="en-US" dirty="0" smtClean="0"/>
-              <a:t>Week2 </a:t>
-            </a:r>
-            <a:r>
               <a:rPr lang="en-US" dirty="0"/>
-              <a:t>- </a:t>
+              <a:t>Week2 - </a:t>
             </a:r>
             <a:fld id="{F7EC234A-9094-4BB8-9EA4-75ECDA8A365B}" type="slidenum">
               <a:rPr lang="en-US"/>
@@ -8526,14 +8500,14 @@
               <a:buSzPct val="120000"/>
             </a:pPr>
             <a:r>
-              <a:rPr lang="en-US" sz="4000" dirty="0" smtClean="0"/>
+              <a:rPr lang="en-US" sz="4000" dirty="0"/>
               <a:t>A C program is just </a:t>
             </a:r>
             <a:br>
-              <a:rPr lang="en-US" sz="4000" dirty="0" smtClean="0"/>
+              <a:rPr lang="en-US" sz="4000" dirty="0"/>
             </a:br>
             <a:r>
-              <a:rPr lang="en-US" sz="4000" dirty="0" smtClean="0">
+              <a:rPr lang="en-US" sz="4000" dirty="0">
                 <a:solidFill>
                   <a:srgbClr val="0000FF"/>
                 </a:solidFill>
@@ -8541,10 +8515,9 @@
               <a:t>a collection of functions</a:t>
             </a:r>
             <a:r>
-              <a:rPr lang="en-US" sz="4000" dirty="0" smtClean="0"/>
+              <a:rPr lang="en-US" sz="4000" dirty="0"/>
               <a:t>.</a:t>
             </a:r>
-            <a:endParaRPr lang="en-US" sz="4000" dirty="0"/>
           </a:p>
           <a:p>
             <a:pPr marL="288925" indent="-288925" algn="ctr" eaLnBrk="1" hangingPunct="1">
@@ -8608,14 +8581,14 @@
               <a:buSzPct val="120000"/>
             </a:pPr>
             <a:r>
-              <a:rPr lang="en-US" sz="4000" dirty="0" smtClean="0"/>
+              <a:rPr lang="en-US" sz="4000" dirty="0"/>
               <a:t>Remember to </a:t>
             </a:r>
             <a:br>
-              <a:rPr lang="en-US" sz="4000" dirty="0" smtClean="0"/>
+              <a:rPr lang="en-US" sz="4000" dirty="0"/>
             </a:br>
             <a:r>
-              <a:rPr lang="en-US" sz="4000" dirty="0" smtClean="0">
+              <a:rPr lang="en-US" sz="4000" dirty="0">
                 <a:solidFill>
                   <a:srgbClr val="0000FF"/>
                 </a:solidFill>
@@ -8623,14 +8596,14 @@
               <a:t>declare the types of your variables </a:t>
             </a:r>
             <a:br>
-              <a:rPr lang="en-US" sz="4000" dirty="0" smtClean="0">
+              <a:rPr lang="en-US" sz="4000" dirty="0">
                 <a:solidFill>
                   <a:srgbClr val="0000FF"/>
                 </a:solidFill>
               </a:rPr>
             </a:br>
             <a:r>
-              <a:rPr lang="en-US" sz="4000" dirty="0" smtClean="0"/>
+              <a:rPr lang="en-US" sz="4000" dirty="0"/>
               <a:t>in a C program.</a:t>
             </a:r>
             <a:endParaRPr lang="en-GB" sz="4000" dirty="0"/>
